--- a/2D발표/2014182030 이상직 1차발표.pptx
+++ b/2D발표/2014182030 이상직 1차발표.pptx
@@ -311,7 +311,7 @@
           <a:p>
             <a:fld id="{8475586A-0788-4CE9-8C7E-ECF7F411605D}" type="datetimeFigureOut">
               <a:rPr lang="ko-KR" altLang="en-US" smtClean="0"/>
-              <a:t>2018-09-28</a:t>
+              <a:t>2018-10-01</a:t>
             </a:fld>
             <a:endParaRPr lang="ko-KR" altLang="en-US"/>
           </a:p>
@@ -479,7 +479,7 @@
           <a:p>
             <a:fld id="{8475586A-0788-4CE9-8C7E-ECF7F411605D}" type="datetimeFigureOut">
               <a:rPr lang="ko-KR" altLang="en-US" smtClean="0"/>
-              <a:t>2018-09-28</a:t>
+              <a:t>2018-10-01</a:t>
             </a:fld>
             <a:endParaRPr lang="ko-KR" altLang="en-US"/>
           </a:p>
@@ -657,7 +657,7 @@
           <a:p>
             <a:fld id="{8475586A-0788-4CE9-8C7E-ECF7F411605D}" type="datetimeFigureOut">
               <a:rPr lang="ko-KR" altLang="en-US" smtClean="0"/>
-              <a:t>2018-09-28</a:t>
+              <a:t>2018-10-01</a:t>
             </a:fld>
             <a:endParaRPr lang="ko-KR" altLang="en-US"/>
           </a:p>
@@ -825,7 +825,7 @@
           <a:p>
             <a:fld id="{8475586A-0788-4CE9-8C7E-ECF7F411605D}" type="datetimeFigureOut">
               <a:rPr lang="ko-KR" altLang="en-US" smtClean="0"/>
-              <a:t>2018-09-28</a:t>
+              <a:t>2018-10-01</a:t>
             </a:fld>
             <a:endParaRPr lang="ko-KR" altLang="en-US"/>
           </a:p>
@@ -1070,7 +1070,7 @@
           <a:p>
             <a:fld id="{8475586A-0788-4CE9-8C7E-ECF7F411605D}" type="datetimeFigureOut">
               <a:rPr lang="ko-KR" altLang="en-US" smtClean="0"/>
-              <a:t>2018-09-28</a:t>
+              <a:t>2018-10-01</a:t>
             </a:fld>
             <a:endParaRPr lang="ko-KR" altLang="en-US"/>
           </a:p>
@@ -1355,7 +1355,7 @@
           <a:p>
             <a:fld id="{8475586A-0788-4CE9-8C7E-ECF7F411605D}" type="datetimeFigureOut">
               <a:rPr lang="ko-KR" altLang="en-US" smtClean="0"/>
-              <a:t>2018-09-28</a:t>
+              <a:t>2018-10-01</a:t>
             </a:fld>
             <a:endParaRPr lang="ko-KR" altLang="en-US"/>
           </a:p>
@@ -1774,7 +1774,7 @@
           <a:p>
             <a:fld id="{8475586A-0788-4CE9-8C7E-ECF7F411605D}" type="datetimeFigureOut">
               <a:rPr lang="ko-KR" altLang="en-US" smtClean="0"/>
-              <a:t>2018-09-28</a:t>
+              <a:t>2018-10-01</a:t>
             </a:fld>
             <a:endParaRPr lang="ko-KR" altLang="en-US"/>
           </a:p>
@@ -1891,7 +1891,7 @@
           <a:p>
             <a:fld id="{8475586A-0788-4CE9-8C7E-ECF7F411605D}" type="datetimeFigureOut">
               <a:rPr lang="ko-KR" altLang="en-US" smtClean="0"/>
-              <a:t>2018-09-28</a:t>
+              <a:t>2018-10-01</a:t>
             </a:fld>
             <a:endParaRPr lang="ko-KR" altLang="en-US"/>
           </a:p>
@@ -1986,7 +1986,7 @@
           <a:p>
             <a:fld id="{8475586A-0788-4CE9-8C7E-ECF7F411605D}" type="datetimeFigureOut">
               <a:rPr lang="ko-KR" altLang="en-US" smtClean="0"/>
-              <a:t>2018-09-28</a:t>
+              <a:t>2018-10-01</a:t>
             </a:fld>
             <a:endParaRPr lang="ko-KR" altLang="en-US"/>
           </a:p>
@@ -2261,7 +2261,7 @@
           <a:p>
             <a:fld id="{8475586A-0788-4CE9-8C7E-ECF7F411605D}" type="datetimeFigureOut">
               <a:rPr lang="ko-KR" altLang="en-US" smtClean="0"/>
-              <a:t>2018-09-28</a:t>
+              <a:t>2018-10-01</a:t>
             </a:fld>
             <a:endParaRPr lang="ko-KR" altLang="en-US"/>
           </a:p>
@@ -2513,7 +2513,7 @@
           <a:p>
             <a:fld id="{8475586A-0788-4CE9-8C7E-ECF7F411605D}" type="datetimeFigureOut">
               <a:rPr lang="ko-KR" altLang="en-US" smtClean="0"/>
-              <a:t>2018-09-28</a:t>
+              <a:t>2018-10-01</a:t>
             </a:fld>
             <a:endParaRPr lang="ko-KR" altLang="en-US"/>
           </a:p>
@@ -2729,7 +2729,7 @@
           <a:p>
             <a:fld id="{8475586A-0788-4CE9-8C7E-ECF7F411605D}" type="datetimeFigureOut">
               <a:rPr lang="ko-KR" altLang="en-US" smtClean="0"/>
-              <a:t>2018-09-28</a:t>
+              <a:t>2018-10-01</a:t>
             </a:fld>
             <a:endParaRPr lang="ko-KR" altLang="en-US"/>
           </a:p>
@@ -7138,16 +7138,12 @@
           <a:lstStyle/>
           <a:p>
             <a:r>
+              <a:rPr lang="ko-KR" altLang="en-US"/>
+              <a:t>색에 맞는 </a:t>
+            </a:r>
+            <a:r>
               <a:rPr lang="ko-KR" altLang="en-US" dirty="0"/>
-              <a:t>색에 </a:t>
-            </a:r>
-            <a:r>
-              <a:rPr lang="ko-KR" altLang="en-US" dirty="0" err="1"/>
-              <a:t>맞큰</a:t>
-            </a:r>
-            <a:r>
-              <a:rPr lang="ko-KR" altLang="en-US" dirty="0"/>
-              <a:t> 키를 누른다</a:t>
+              <a:t>키를 누른다</a:t>
             </a:r>
           </a:p>
         </p:txBody>
